--- a/documentación/InputMascaraPresentationV1.pptx
+++ b/documentación/InputMascaraPresentationV1.pptx
@@ -284,7 +284,7 @@
           <a:p>
             <a:fld id="{88369B9F-131C-2846-AB8F-CEE154B4CAEB}" type="datetimeFigureOut">
               <a:rPr lang="es-CO" smtClean="0"/>
-              <a:t>4/09/2023</a:t>
+              <a:t>11/09/2023</a:t>
             </a:fld>
             <a:endParaRPr lang="es-CO"/>
           </a:p>
@@ -461,7 +461,7 @@
           <a:p>
             <a:fld id="{9660CB96-A603-FF42-AE46-F5F75F80A67B}" type="datetimeFigureOut">
               <a:rPr lang="es-CO" smtClean="0"/>
-              <a:t>4/09/2023</a:t>
+              <a:t>11/09/2023</a:t>
             </a:fld>
             <a:endParaRPr lang="es-CO"/>
           </a:p>
@@ -9191,7 +9191,7 @@
           <a:p>
             <a:fld id="{BD986248-06F7-A441-A47A-264EBD310E11}" type="datetimeFigureOut">
               <a:rPr lang="es-CO" smtClean="0"/>
-              <a:t>4/09/2023</a:t>
+              <a:t>11/09/2023</a:t>
             </a:fld>
             <a:endParaRPr lang="es-CO"/>
           </a:p>
@@ -9442,7 +9442,7 @@
           <a:p>
             <a:fld id="{BD986248-06F7-A441-A47A-264EBD310E11}" type="datetimeFigureOut">
               <a:rPr lang="es-CO" smtClean="0"/>
-              <a:t>4/09/2023</a:t>
+              <a:t>11/09/2023</a:t>
             </a:fld>
             <a:endParaRPr lang="es-CO"/>
           </a:p>
@@ -9756,7 +9756,7 @@
           <a:p>
             <a:fld id="{BD986248-06F7-A441-A47A-264EBD310E11}" type="datetimeFigureOut">
               <a:rPr lang="es-CO" smtClean="0"/>
-              <a:t>4/09/2023</a:t>
+              <a:t>11/09/2023</a:t>
             </a:fld>
             <a:endParaRPr lang="es-CO"/>
           </a:p>
@@ -10097,7 +10097,7 @@
           <a:p>
             <a:fld id="{BD986248-06F7-A441-A47A-264EBD310E11}" type="datetimeFigureOut">
               <a:rPr lang="es-CO" smtClean="0"/>
-              <a:t>4/09/2023</a:t>
+              <a:t>11/09/2023</a:t>
             </a:fld>
             <a:endParaRPr lang="es-CO"/>
           </a:p>
@@ -10411,7 +10411,7 @@
           <a:p>
             <a:fld id="{BD986248-06F7-A441-A47A-264EBD310E11}" type="datetimeFigureOut">
               <a:rPr lang="es-CO" smtClean="0"/>
-              <a:t>4/09/2023</a:t>
+              <a:t>11/09/2023</a:t>
             </a:fld>
             <a:endParaRPr lang="es-CO"/>
           </a:p>
@@ -10804,7 +10804,7 @@
           <a:p>
             <a:fld id="{BD986248-06F7-A441-A47A-264EBD310E11}" type="datetimeFigureOut">
               <a:rPr lang="es-CO" smtClean="0"/>
-              <a:t>4/09/2023</a:t>
+              <a:t>11/09/2023</a:t>
             </a:fld>
             <a:endParaRPr lang="es-CO"/>
           </a:p>
@@ -10974,7 +10974,7 @@
           <a:p>
             <a:fld id="{BD986248-06F7-A441-A47A-264EBD310E11}" type="datetimeFigureOut">
               <a:rPr lang="es-CO" smtClean="0"/>
-              <a:t>4/09/2023</a:t>
+              <a:t>11/09/2023</a:t>
             </a:fld>
             <a:endParaRPr lang="es-CO"/>
           </a:p>
@@ -11154,7 +11154,7 @@
           <a:p>
             <a:fld id="{BD986248-06F7-A441-A47A-264EBD310E11}" type="datetimeFigureOut">
               <a:rPr lang="es-CO" smtClean="0"/>
-              <a:t>4/09/2023</a:t>
+              <a:t>11/09/2023</a:t>
             </a:fld>
             <a:endParaRPr lang="es-CO"/>
           </a:p>
@@ -11564,7 +11564,7 @@
           <a:p>
             <a:fld id="{BD986248-06F7-A441-A47A-264EBD310E11}" type="datetimeFigureOut">
               <a:rPr lang="es-CO" smtClean="0"/>
-              <a:t>4/09/2023</a:t>
+              <a:t>11/09/2023</a:t>
             </a:fld>
             <a:endParaRPr lang="es-CO"/>
           </a:p>
@@ -11815,7 +11815,7 @@
           <a:p>
             <a:fld id="{BD986248-06F7-A441-A47A-264EBD310E11}" type="datetimeFigureOut">
               <a:rPr lang="es-CO" smtClean="0"/>
-              <a:t>4/09/2023</a:t>
+              <a:t>11/09/2023</a:t>
             </a:fld>
             <a:endParaRPr lang="es-CO"/>
           </a:p>
@@ -12210,7 +12210,7 @@
           <a:p>
             <a:fld id="{BD986248-06F7-A441-A47A-264EBD310E11}" type="datetimeFigureOut">
               <a:rPr lang="es-CO" smtClean="0"/>
-              <a:t>4/09/2023</a:t>
+              <a:t>11/09/2023</a:t>
             </a:fld>
             <a:endParaRPr lang="es-CO"/>
           </a:p>
@@ -12469,7 +12469,7 @@
           <a:p>
             <a:fld id="{BD986248-06F7-A441-A47A-264EBD310E11}" type="datetimeFigureOut">
               <a:rPr lang="es-CO" smtClean="0"/>
-              <a:t>4/09/2023</a:t>
+              <a:t>11/09/2023</a:t>
             </a:fld>
             <a:endParaRPr lang="es-CO"/>
           </a:p>
@@ -12701,7 +12701,7 @@
           <a:p>
             <a:fld id="{BD986248-06F7-A441-A47A-264EBD310E11}" type="datetimeFigureOut">
               <a:rPr lang="es-CO" smtClean="0"/>
-              <a:t>4/09/2023</a:t>
+              <a:t>11/09/2023</a:t>
             </a:fld>
             <a:endParaRPr lang="es-CO"/>
           </a:p>
@@ -13075,7 +13075,7 @@
           <a:p>
             <a:fld id="{BD986248-06F7-A441-A47A-264EBD310E11}" type="datetimeFigureOut">
               <a:rPr lang="es-CO" smtClean="0"/>
-              <a:t>4/09/2023</a:t>
+              <a:t>11/09/2023</a:t>
             </a:fld>
             <a:endParaRPr lang="es-CO"/>
           </a:p>
@@ -13198,7 +13198,7 @@
           <a:p>
             <a:fld id="{BD986248-06F7-A441-A47A-264EBD310E11}" type="datetimeFigureOut">
               <a:rPr lang="es-CO" smtClean="0"/>
-              <a:t>4/09/2023</a:t>
+              <a:t>11/09/2023</a:t>
             </a:fld>
             <a:endParaRPr lang="es-CO"/>
           </a:p>
@@ -13293,7 +13293,7 @@
           <a:p>
             <a:fld id="{BD986248-06F7-A441-A47A-264EBD310E11}" type="datetimeFigureOut">
               <a:rPr lang="es-CO" smtClean="0"/>
-              <a:t>4/09/2023</a:t>
+              <a:t>11/09/2023</a:t>
             </a:fld>
             <a:endParaRPr lang="es-CO"/>
           </a:p>
@@ -13548,7 +13548,7 @@
           <a:p>
             <a:fld id="{BD986248-06F7-A441-A47A-264EBD310E11}" type="datetimeFigureOut">
               <a:rPr lang="es-CO" smtClean="0"/>
-              <a:t>4/09/2023</a:t>
+              <a:t>11/09/2023</a:t>
             </a:fld>
             <a:endParaRPr lang="es-CO"/>
           </a:p>
@@ -13811,7 +13811,7 @@
           <a:p>
             <a:fld id="{BD986248-06F7-A441-A47A-264EBD310E11}" type="datetimeFigureOut">
               <a:rPr lang="es-CO" smtClean="0"/>
-              <a:t>4/09/2023</a:t>
+              <a:t>11/09/2023</a:t>
             </a:fld>
             <a:endParaRPr lang="es-CO"/>
           </a:p>
@@ -14554,7 +14554,7 @@
           <a:p>
             <a:fld id="{BD986248-06F7-A441-A47A-264EBD310E11}" type="datetimeFigureOut">
               <a:rPr lang="es-CO" smtClean="0"/>
-              <a:t>4/09/2023</a:t>
+              <a:t>11/09/2023</a:t>
             </a:fld>
             <a:endParaRPr lang="es-CO"/>
           </a:p>
@@ -30589,10 +30589,10 @@
       </p:cxnSp>
       <p:graphicFrame>
         <p:nvGraphicFramePr>
-          <p:cNvPr id="2" name="Tabla 3">
+          <p:cNvPr id="4" name="Tabla 3">
             <a:extLst>
               <a:ext uri="{FF2B5EF4-FFF2-40B4-BE49-F238E27FC236}">
-                <a16:creationId xmlns:a16="http://schemas.microsoft.com/office/drawing/2014/main" id="{369A6FB7-DE33-FDC3-3431-2B800A3E579F}"/>
+                <a16:creationId xmlns:a16="http://schemas.microsoft.com/office/drawing/2014/main" id="{4FABC993-F37C-71AC-5ED5-F813079E8CE7}"/>
               </a:ext>
             </a:extLst>
           </p:cNvPr>
@@ -30602,38 +30602,43 @@
           <p:nvPr>
             <p:extLst>
               <p:ext uri="{D42A27DB-BD31-4B8C-83A1-F6EECF244321}">
-                <p14:modId xmlns:p14="http://schemas.microsoft.com/office/powerpoint/2010/main" val="3214411777"/>
+                <p14:modId xmlns:p14="http://schemas.microsoft.com/office/powerpoint/2010/main" val="1118654321"/>
               </p:ext>
             </p:extLst>
           </p:nvPr>
         </p:nvGraphicFramePr>
         <p:xfrm>
-          <a:off x="1885042" y="2501900"/>
-          <a:ext cx="8128000" cy="2123440"/>
+          <a:off x="1472328" y="2151796"/>
+          <a:ext cx="8682788" cy="3345633"/>
         </p:xfrm>
         <a:graphic>
           <a:graphicData uri="http://schemas.openxmlformats.org/drawingml/2006/table">
             <a:tbl>
               <a:tblPr firstRow="1" bandRow="1">
-                <a:tableStyleId>{5C22544A-7EE6-4342-B048-85BDC9FD1C3A}</a:tableStyleId>
+                <a:solidFill>
+                  <a:srgbClr val="FFFFFF">
+                    <a:alpha val="21176"/>
+                  </a:srgbClr>
+                </a:solidFill>
+                <a:tableStyleId>{16D9F66E-5EB9-4882-86FB-DCBF35E3C3E4}</a:tableStyleId>
               </a:tblPr>
               <a:tblGrid>
-                <a:gridCol w="4064000">
+                <a:gridCol w="4341394">
                   <a:extLst>
                     <a:ext uri="{9D8B030D-6E8A-4147-A177-3AD203B41FA5}">
-                      <a16:colId xmlns:a16="http://schemas.microsoft.com/office/drawing/2014/main" val="3520215672"/>
+                      <a16:colId xmlns:a16="http://schemas.microsoft.com/office/drawing/2014/main" val="3771880823"/>
                     </a:ext>
                   </a:extLst>
                 </a:gridCol>
-                <a:gridCol w="4064000">
+                <a:gridCol w="4341394">
                   <a:extLst>
                     <a:ext uri="{9D8B030D-6E8A-4147-A177-3AD203B41FA5}">
-                      <a16:colId xmlns:a16="http://schemas.microsoft.com/office/drawing/2014/main" val="2631944421"/>
+                      <a16:colId xmlns:a16="http://schemas.microsoft.com/office/drawing/2014/main" val="2105889104"/>
                     </a:ext>
                   </a:extLst>
                 </a:gridCol>
               </a:tblGrid>
-              <a:tr h="370840">
+              <a:tr h="433034">
                 <a:tc>
                   <a:txBody>
                     <a:bodyPr/>
@@ -30641,27 +30646,319 @@
                     <a:p>
                       <a:pPr algn="ctr"/>
                       <a:r>
-                        <a:rPr lang="es-ES" sz="1800" b="1" kern="1200" dirty="0">
+                        <a:rPr lang="es-CO" b="1" dirty="0">
                           <a:solidFill>
-                            <a:schemeClr val="tx1"/>
+                            <a:schemeClr val="bg1">
+                              <a:lumMod val="85000"/>
+                            </a:schemeClr>
                           </a:solidFill>
-                          <a:latin typeface="+mn-lt"/>
-                          <a:ea typeface="+mn-ea"/>
-                          <a:cs typeface="+mn-cs"/>
                         </a:rPr>
                         <a:t>Equipo</a:t>
                       </a:r>
-                      <a:endParaRPr lang="es-CO" sz="1800" b="1" kern="1200" dirty="0">
+                    </a:p>
+                  </a:txBody>
+                  <a:tcPr anchor="ctr">
+                    <a:solidFill>
+                      <a:schemeClr val="accent2"/>
+                    </a:solidFill>
+                  </a:tcPr>
+                </a:tc>
+                <a:tc>
+                  <a:txBody>
+                    <a:bodyPr/>
+                    <a:lstStyle/>
+                    <a:p>
+                      <a:pPr algn="ctr"/>
+                      <a:r>
+                        <a:rPr lang="es-CO" b="1" dirty="0">
+                          <a:solidFill>
+                            <a:schemeClr val="tx1">
+                              <a:lumMod val="65000"/>
+                              <a:lumOff val="35000"/>
+                            </a:schemeClr>
+                          </a:solidFill>
+                        </a:rPr>
+                        <a:t>ADSO</a:t>
+                      </a:r>
+                    </a:p>
+                  </a:txBody>
+                  <a:tcPr/>
+                </a:tc>
+                <a:extLst>
+                  <a:ext uri="{0D108BD9-81ED-4DB2-BD59-A6C34878D82A}">
+                    <a16:rowId xmlns:a16="http://schemas.microsoft.com/office/drawing/2014/main" val="2140614181"/>
+                  </a:ext>
+                </a:extLst>
+              </a:tr>
+              <a:tr h="433034">
+                <a:tc>
+                  <a:txBody>
+                    <a:bodyPr/>
+                    <a:lstStyle/>
+                    <a:p>
+                      <a:pPr algn="ctr"/>
+                      <a:r>
+                        <a:rPr lang="es-CO" b="1" dirty="0">
+                          <a:solidFill>
+                            <a:schemeClr val="bg1">
+                              <a:lumMod val="85000"/>
+                            </a:schemeClr>
+                          </a:solidFill>
+                        </a:rPr>
+                        <a:t>Coordinación</a:t>
+                      </a:r>
+                    </a:p>
+                  </a:txBody>
+                  <a:tcPr anchor="ctr">
+                    <a:solidFill>
+                      <a:schemeClr val="accent2"/>
+                    </a:solidFill>
+                  </a:tcPr>
+                </a:tc>
+                <a:tc>
+                  <a:txBody>
+                    <a:bodyPr/>
+                    <a:lstStyle/>
+                    <a:p>
+                      <a:pPr algn="ctr"/>
+                      <a:r>
+                        <a:rPr lang="es-CO" b="1" dirty="0">
+                          <a:solidFill>
+                            <a:schemeClr val="tx1">
+                              <a:lumMod val="65000"/>
+                              <a:lumOff val="35000"/>
+                            </a:schemeClr>
+                          </a:solidFill>
+                        </a:rPr>
+                        <a:t>Paula Milena Isaza</a:t>
+                      </a:r>
+                    </a:p>
+                  </a:txBody>
+                  <a:tcPr/>
+                </a:tc>
+                <a:extLst>
+                  <a:ext uri="{0D108BD9-81ED-4DB2-BD59-A6C34878D82A}">
+                    <a16:rowId xmlns:a16="http://schemas.microsoft.com/office/drawing/2014/main" val="3004741631"/>
+                  </a:ext>
+                </a:extLst>
+              </a:tr>
+              <a:tr h="747429">
+                <a:tc>
+                  <a:txBody>
+                    <a:bodyPr/>
+                    <a:lstStyle/>
+                    <a:p>
+                      <a:pPr algn="ctr"/>
+                      <a:r>
+                        <a:rPr lang="es-CO" b="1" dirty="0">
+                          <a:solidFill>
+                            <a:schemeClr val="bg1">
+                              <a:lumMod val="85000"/>
+                            </a:schemeClr>
+                          </a:solidFill>
+                        </a:rPr>
+                        <a:t>Asesores Temáticos</a:t>
+                      </a:r>
+                    </a:p>
+                  </a:txBody>
+                  <a:tcPr anchor="ctr">
+                    <a:solidFill>
+                      <a:schemeClr val="accent2"/>
+                    </a:solidFill>
+                  </a:tcPr>
+                </a:tc>
+                <a:tc>
+                  <a:txBody>
+                    <a:bodyPr/>
+                    <a:lstStyle/>
+                    <a:p>
+                      <a:pPr marL="0" marR="0" lvl="0" indent="0" algn="ctr" defTabSz="457200" rtl="0" eaLnBrk="1" fontAlgn="auto" latinLnBrk="0" hangingPunct="1">
+                        <a:lnSpc>
+                          <a:spcPct val="100000"/>
+                        </a:lnSpc>
+                        <a:spcBef>
+                          <a:spcPts val="0"/>
+                        </a:spcBef>
+                        <a:spcAft>
+                          <a:spcPts val="0"/>
+                        </a:spcAft>
+                        <a:buClrTx/>
+                        <a:buSzTx/>
+                        <a:buFontTx/>
+                        <a:buNone/>
+                        <a:tabLst/>
+                        <a:defRPr/>
+                      </a:pPr>
+                      <a:r>
+                        <a:rPr lang="es-CO" b="1" dirty="0">
+                          <a:solidFill>
+                            <a:schemeClr val="tx1">
+                              <a:lumMod val="65000"/>
+                              <a:lumOff val="35000"/>
+                            </a:schemeClr>
+                          </a:solidFill>
+                        </a:rPr>
+                        <a:t>Luis Alfonso Becerra Rentería</a:t>
+                      </a:r>
+                    </a:p>
+                    <a:p>
+                      <a:pPr algn="ctr"/>
+                      <a:r>
+                        <a:rPr lang="es-CO" b="1" dirty="0">
+                          <a:solidFill>
+                            <a:schemeClr val="tx1">
+                              <a:lumMod val="65000"/>
+                              <a:lumOff val="35000"/>
+                            </a:schemeClr>
+                          </a:solidFill>
+                        </a:rPr>
+                        <a:t>Gloria Jaramillo</a:t>
+                      </a:r>
+                    </a:p>
+                  </a:txBody>
+                  <a:tcPr/>
+                </a:tc>
+                <a:extLst>
+                  <a:ext uri="{0D108BD9-81ED-4DB2-BD59-A6C34878D82A}">
+                    <a16:rowId xmlns:a16="http://schemas.microsoft.com/office/drawing/2014/main" val="162127329"/>
+                  </a:ext>
+                </a:extLst>
+              </a:tr>
+              <a:tr h="433034">
+                <a:tc>
+                  <a:txBody>
+                    <a:bodyPr/>
+                    <a:lstStyle/>
+                    <a:p>
+                      <a:pPr algn="ctr"/>
+                      <a:r>
+                        <a:rPr lang="es-CO" b="1" dirty="0">
+                          <a:solidFill>
+                            <a:schemeClr val="bg1">
+                              <a:lumMod val="85000"/>
+                            </a:schemeClr>
+                          </a:solidFill>
+                        </a:rPr>
+                        <a:t>Scrum Master</a:t>
+                      </a:r>
+                    </a:p>
+                  </a:txBody>
+                  <a:tcPr anchor="ctr">
+                    <a:solidFill>
+                      <a:schemeClr val="accent2"/>
+                    </a:solidFill>
+                  </a:tcPr>
+                </a:tc>
+                <a:tc>
+                  <a:txBody>
+                    <a:bodyPr/>
+                    <a:lstStyle/>
+                    <a:p>
+                      <a:pPr algn="ctr"/>
+                      <a:r>
+                        <a:rPr lang="es-CO" b="1" dirty="0">
+                          <a:solidFill>
+                            <a:schemeClr val="tx1">
+                              <a:lumMod val="65000"/>
+                              <a:lumOff val="35000"/>
+                            </a:schemeClr>
+                          </a:solidFill>
+                        </a:rPr>
+                        <a:t>Luis Alfonso Becerra Rentería</a:t>
+                      </a:r>
+                    </a:p>
+                  </a:txBody>
+                  <a:tcPr/>
+                </a:tc>
+                <a:extLst>
+                  <a:ext uri="{0D108BD9-81ED-4DB2-BD59-A6C34878D82A}">
+                    <a16:rowId xmlns:a16="http://schemas.microsoft.com/office/drawing/2014/main" val="74189630"/>
+                  </a:ext>
+                </a:extLst>
+              </a:tr>
+              <a:tr h="433034">
+                <a:tc>
+                  <a:txBody>
+                    <a:bodyPr/>
+                    <a:lstStyle/>
+                    <a:p>
+                      <a:pPr algn="ctr"/>
+                      <a:r>
+                        <a:rPr lang="es-CO" b="1" dirty="0">
+                          <a:solidFill>
+                            <a:schemeClr val="bg1">
+                              <a:lumMod val="85000"/>
+                            </a:schemeClr>
+                          </a:solidFill>
+                        </a:rPr>
+                        <a:t>Desarrollador</a:t>
+                      </a:r>
+                    </a:p>
+                  </a:txBody>
+                  <a:tcPr anchor="ctr">
+                    <a:solidFill>
+                      <a:schemeClr val="accent2"/>
+                    </a:solidFill>
+                  </a:tcPr>
+                </a:tc>
+                <a:tc>
+                  <a:txBody>
+                    <a:bodyPr/>
+                    <a:lstStyle/>
+                    <a:p>
+                      <a:pPr algn="ctr"/>
+                      <a:r>
+                        <a:rPr lang="es-CO" b="1" dirty="0">
+                          <a:solidFill>
+                            <a:schemeClr val="tx1">
+                              <a:lumMod val="65000"/>
+                              <a:lumOff val="35000"/>
+                            </a:schemeClr>
+                          </a:solidFill>
+                        </a:rPr>
+                        <a:t>Santiago Flórez Echavarría</a:t>
+                      </a:r>
+                    </a:p>
+                  </a:txBody>
+                  <a:tcPr/>
+                </a:tc>
+                <a:extLst>
+                  <a:ext uri="{0D108BD9-81ED-4DB2-BD59-A6C34878D82A}">
+                    <a16:rowId xmlns:a16="http://schemas.microsoft.com/office/drawing/2014/main" val="677570227"/>
+                  </a:ext>
+                </a:extLst>
+              </a:tr>
+              <a:tr h="433034">
+                <a:tc>
+                  <a:txBody>
+                    <a:bodyPr/>
+                    <a:lstStyle/>
+                    <a:p>
+                      <a:pPr algn="ctr"/>
+                      <a:r>
+                        <a:rPr lang="es-ES" b="1" dirty="0">
+                          <a:solidFill>
+                            <a:schemeClr val="bg1">
+                              <a:lumMod val="85000"/>
+                            </a:schemeClr>
+                          </a:solidFill>
+                        </a:rPr>
+                        <a:t>Visualizador</a:t>
+                      </a:r>
+                      <a:endParaRPr lang="es-CO" b="1" dirty="0">
                         <a:solidFill>
-                          <a:schemeClr val="tx1"/>
+                          <a:schemeClr val="bg1">
+                            <a:lumMod val="85000"/>
+                          </a:schemeClr>
                         </a:solidFill>
-                        <a:latin typeface="+mn-lt"/>
-                        <a:ea typeface="+mn-ea"/>
-                        <a:cs typeface="+mn-cs"/>
                       </a:endParaRPr>
                     </a:p>
                   </a:txBody>
-                  <a:tcPr/>
+                  <a:tcPr anchor="ctr">
+                    <a:solidFill>
+                      <a:schemeClr val="accent2"/>
+                    </a:solidFill>
+                  </a:tcPr>
                 </a:tc>
                 <a:tc>
                   <a:txBody>
@@ -30672,14 +30969,20 @@
                       <a:r>
                         <a:rPr lang="es-ES" b="1" dirty="0">
                           <a:solidFill>
-                            <a:schemeClr val="tx1"/>
+                            <a:schemeClr val="tx1">
+                              <a:lumMod val="65000"/>
+                              <a:lumOff val="35000"/>
+                            </a:schemeClr>
                           </a:solidFill>
                         </a:rPr>
-                        <a:t>ADSO</a:t>
+                        <a:t>Andrés Felipe Godoy</a:t>
                       </a:r>
                       <a:endParaRPr lang="es-CO" b="1" dirty="0">
                         <a:solidFill>
-                          <a:schemeClr val="tx1"/>
+                          <a:schemeClr val="tx1">
+                            <a:lumMod val="65000"/>
+                            <a:lumOff val="35000"/>
+                          </a:schemeClr>
                         </a:solidFill>
                       </a:endParaRPr>
                     </a:p>
@@ -30688,160 +30991,60 @@
                 </a:tc>
                 <a:extLst>
                   <a:ext uri="{0D108BD9-81ED-4DB2-BD59-A6C34878D82A}">
-                    <a16:rowId xmlns:a16="http://schemas.microsoft.com/office/drawing/2014/main" val="413340009"/>
+                    <a16:rowId xmlns:a16="http://schemas.microsoft.com/office/drawing/2014/main" val="3243346666"/>
                   </a:ext>
                 </a:extLst>
               </a:tr>
-              <a:tr h="370840">
-                <a:tc>
+              <a:tr h="433034">
+                <a:tc gridSpan="2">
                   <a:txBody>
                     <a:bodyPr/>
                     <a:lstStyle/>
                     <a:p>
                       <a:pPr algn="ctr"/>
                       <a:r>
-                        <a:rPr lang="es-ES" b="1" dirty="0"/>
-                        <a:t>Coordinación</a:t>
+                        <a:rPr lang="es-ES" sz="800" b="1" dirty="0">
+                          <a:solidFill>
+                            <a:schemeClr val="bg1">
+                              <a:lumMod val="85000"/>
+                            </a:schemeClr>
+                          </a:solidFill>
+                        </a:rPr>
+                        <a:t>Este material puede ser distribuido, copiado y exhibido por terceros si se muestran los créditos.  No se puede obtener ningún beneficio comercial y las obras derivadas tienen que estar bajo los mismos términos de licencia que el trabajo original.</a:t>
                       </a:r>
-                      <a:endParaRPr lang="es-CO" b="1" dirty="0"/>
+                      <a:endParaRPr lang="es-CO" sz="800" b="1" dirty="0">
+                        <a:solidFill>
+                          <a:schemeClr val="bg1">
+                            <a:lumMod val="85000"/>
+                          </a:schemeClr>
+                        </a:solidFill>
+                      </a:endParaRPr>
                     </a:p>
                   </a:txBody>
-                  <a:tcPr/>
+                  <a:tcPr anchor="ctr">
+                    <a:solidFill>
+                      <a:schemeClr val="tx1"/>
+                    </a:solidFill>
+                  </a:tcPr>
                 </a:tc>
-                <a:tc>
+                <a:tc hMerge="1">
                   <a:txBody>
                     <a:bodyPr/>
                     <a:lstStyle/>
                     <a:p>
                       <a:pPr algn="ctr"/>
-                      <a:r>
-                        <a:rPr lang="es-ES" b="1" dirty="0"/>
-                        <a:t>Paula Milena Isaza</a:t>
-                      </a:r>
                       <a:endParaRPr lang="es-CO" b="1" dirty="0"/>
                     </a:p>
                   </a:txBody>
-                  <a:tcPr/>
+                  <a:tcPr>
+                    <a:solidFill>
+                      <a:schemeClr val="tx1"/>
+                    </a:solidFill>
+                  </a:tcPr>
                 </a:tc>
                 <a:extLst>
                   <a:ext uri="{0D108BD9-81ED-4DB2-BD59-A6C34878D82A}">
-                    <a16:rowId xmlns:a16="http://schemas.microsoft.com/office/drawing/2014/main" val="2191470930"/>
-                  </a:ext>
-                </a:extLst>
-              </a:tr>
-              <a:tr h="370840">
-                <a:tc>
-                  <a:txBody>
-                    <a:bodyPr/>
-                    <a:lstStyle/>
-                    <a:p>
-                      <a:pPr algn="ctr"/>
-                      <a:r>
-                        <a:rPr lang="es-ES" b="1" dirty="0"/>
-                        <a:t>Asesores Temáticos</a:t>
-                      </a:r>
-                      <a:endParaRPr lang="es-CO" b="1" dirty="0"/>
-                    </a:p>
-                  </a:txBody>
-                  <a:tcPr/>
-                </a:tc>
-                <a:tc>
-                  <a:txBody>
-                    <a:bodyPr/>
-                    <a:lstStyle/>
-                    <a:p>
-                      <a:pPr algn="ctr"/>
-                      <a:r>
-                        <a:rPr lang="es-ES" b="1" dirty="0"/>
-                        <a:t>Luis Alfonso Becerra Rentería.</a:t>
-                      </a:r>
-                    </a:p>
-                    <a:p>
-                      <a:pPr algn="ctr"/>
-                      <a:r>
-                        <a:rPr lang="es-ES" b="1" dirty="0"/>
-                        <a:t>Margarita Álvarez.</a:t>
-                      </a:r>
-                    </a:p>
-                  </a:txBody>
-                  <a:tcPr/>
-                </a:tc>
-                <a:extLst>
-                  <a:ext uri="{0D108BD9-81ED-4DB2-BD59-A6C34878D82A}">
-                    <a16:rowId xmlns:a16="http://schemas.microsoft.com/office/drawing/2014/main" val="839614095"/>
-                  </a:ext>
-                </a:extLst>
-              </a:tr>
-              <a:tr h="370840">
-                <a:tc>
-                  <a:txBody>
-                    <a:bodyPr/>
-                    <a:lstStyle/>
-                    <a:p>
-                      <a:pPr algn="ctr"/>
-                      <a:r>
-                        <a:rPr lang="es-ES" b="1" dirty="0"/>
-                        <a:t>Scrum Master </a:t>
-                      </a:r>
-                      <a:endParaRPr lang="es-CO" b="1" dirty="0"/>
-                    </a:p>
-                  </a:txBody>
-                  <a:tcPr/>
-                </a:tc>
-                <a:tc>
-                  <a:txBody>
-                    <a:bodyPr/>
-                    <a:lstStyle/>
-                    <a:p>
-                      <a:pPr algn="ctr"/>
-                      <a:r>
-                        <a:rPr lang="es-ES" b="1" dirty="0"/>
-                        <a:t>Luis Alfonso Becerra Rentería.</a:t>
-                      </a:r>
-                    </a:p>
-                  </a:txBody>
-                  <a:tcPr/>
-                </a:tc>
-                <a:extLst>
-                  <a:ext uri="{0D108BD9-81ED-4DB2-BD59-A6C34878D82A}">
-                    <a16:rowId xmlns:a16="http://schemas.microsoft.com/office/drawing/2014/main" val="3763981797"/>
-                  </a:ext>
-                </a:extLst>
-              </a:tr>
-              <a:tr h="370840">
-                <a:tc>
-                  <a:txBody>
-                    <a:bodyPr/>
-                    <a:lstStyle/>
-                    <a:p>
-                      <a:pPr algn="ctr"/>
-                      <a:r>
-                        <a:rPr lang="es-ES" b="1" dirty="0"/>
-                        <a:t>Desarrollador</a:t>
-                      </a:r>
-                      <a:endParaRPr lang="es-CO" b="1" dirty="0"/>
-                    </a:p>
-                  </a:txBody>
-                  <a:tcPr/>
-                </a:tc>
-                <a:tc>
-                  <a:txBody>
-                    <a:bodyPr/>
-                    <a:lstStyle/>
-                    <a:p>
-                      <a:pPr algn="ctr"/>
-                      <a:r>
-                        <a:rPr lang="es-ES" b="1" dirty="0"/>
-                        <a:t>Santiago Flórez Echavarría</a:t>
-                      </a:r>
-                      <a:endParaRPr lang="es-CO" b="1" dirty="0"/>
-                    </a:p>
-                  </a:txBody>
-                  <a:tcPr/>
-                </a:tc>
-                <a:extLst>
-                  <a:ext uri="{0D108BD9-81ED-4DB2-BD59-A6C34878D82A}">
-                    <a16:rowId xmlns:a16="http://schemas.microsoft.com/office/drawing/2014/main" val="234575201"/>
+                    <a16:rowId xmlns:a16="http://schemas.microsoft.com/office/drawing/2014/main" val="261140055"/>
                   </a:ext>
                 </a:extLst>
               </a:tr>
